--- a/PredictiveModelingUsingSQLServerMachineLearningServices.pptx
+++ b/PredictiveModelingUsingSQLServerMachineLearningServices.pptx
@@ -121,6 +121,11 @@
       </a:defRPr>
     </a:lvl9pPr>
   </p:defaultTextStyle>
+  <p:extLst>
+    <p:ext uri="{EFAFB233-063F-42B5-8137-9DF3F51BA10A}">
+      <p15:sldGuideLst xmlns:p15="http://schemas.microsoft.com/office/powerpoint/2012/main"/>
+    </p:ext>
+  </p:extLst>
 </p:presentation>
 </file>
 
@@ -273,7 +278,7 @@
           <a:p>
             <a:fld id="{DB2F076C-6C78-4EBD-9D85-629F8637E0F6}" type="datetimeFigureOut">
               <a:rPr lang="en-AU" smtClean="0"/>
-              <a:t>28/04/2019</a:t>
+              <a:t>2/05/2019</a:t>
             </a:fld>
             <a:endParaRPr lang="en-AU"/>
           </a:p>
@@ -473,7 +478,7 @@
           <a:p>
             <a:fld id="{DB2F076C-6C78-4EBD-9D85-629F8637E0F6}" type="datetimeFigureOut">
               <a:rPr lang="en-AU" smtClean="0"/>
-              <a:t>28/04/2019</a:t>
+              <a:t>2/05/2019</a:t>
             </a:fld>
             <a:endParaRPr lang="en-AU"/>
           </a:p>
@@ -683,7 +688,7 @@
           <a:p>
             <a:fld id="{DB2F076C-6C78-4EBD-9D85-629F8637E0F6}" type="datetimeFigureOut">
               <a:rPr lang="en-AU" smtClean="0"/>
-              <a:t>28/04/2019</a:t>
+              <a:t>2/05/2019</a:t>
             </a:fld>
             <a:endParaRPr lang="en-AU"/>
           </a:p>
@@ -883,7 +888,7 @@
           <a:p>
             <a:fld id="{DB2F076C-6C78-4EBD-9D85-629F8637E0F6}" type="datetimeFigureOut">
               <a:rPr lang="en-AU" smtClean="0"/>
-              <a:t>28/04/2019</a:t>
+              <a:t>2/05/2019</a:t>
             </a:fld>
             <a:endParaRPr lang="en-AU"/>
           </a:p>
@@ -1159,7 +1164,7 @@
           <a:p>
             <a:fld id="{DB2F076C-6C78-4EBD-9D85-629F8637E0F6}" type="datetimeFigureOut">
               <a:rPr lang="en-AU" smtClean="0"/>
-              <a:t>28/04/2019</a:t>
+              <a:t>2/05/2019</a:t>
             </a:fld>
             <a:endParaRPr lang="en-AU"/>
           </a:p>
@@ -1427,7 +1432,7 @@
           <a:p>
             <a:fld id="{DB2F076C-6C78-4EBD-9D85-629F8637E0F6}" type="datetimeFigureOut">
               <a:rPr lang="en-AU" smtClean="0"/>
-              <a:t>28/04/2019</a:t>
+              <a:t>2/05/2019</a:t>
             </a:fld>
             <a:endParaRPr lang="en-AU"/>
           </a:p>
@@ -1842,7 +1847,7 @@
           <a:p>
             <a:fld id="{DB2F076C-6C78-4EBD-9D85-629F8637E0F6}" type="datetimeFigureOut">
               <a:rPr lang="en-AU" smtClean="0"/>
-              <a:t>28/04/2019</a:t>
+              <a:t>2/05/2019</a:t>
             </a:fld>
             <a:endParaRPr lang="en-AU"/>
           </a:p>
@@ -1984,7 +1989,7 @@
           <a:p>
             <a:fld id="{DB2F076C-6C78-4EBD-9D85-629F8637E0F6}" type="datetimeFigureOut">
               <a:rPr lang="en-AU" smtClean="0"/>
-              <a:t>28/04/2019</a:t>
+              <a:t>2/05/2019</a:t>
             </a:fld>
             <a:endParaRPr lang="en-AU"/>
           </a:p>
@@ -2097,7 +2102,7 @@
           <a:p>
             <a:fld id="{DB2F076C-6C78-4EBD-9D85-629F8637E0F6}" type="datetimeFigureOut">
               <a:rPr lang="en-AU" smtClean="0"/>
-              <a:t>28/04/2019</a:t>
+              <a:t>2/05/2019</a:t>
             </a:fld>
             <a:endParaRPr lang="en-AU"/>
           </a:p>
@@ -2410,7 +2415,7 @@
           <a:p>
             <a:fld id="{DB2F076C-6C78-4EBD-9D85-629F8637E0F6}" type="datetimeFigureOut">
               <a:rPr lang="en-AU" smtClean="0"/>
-              <a:t>28/04/2019</a:t>
+              <a:t>2/05/2019</a:t>
             </a:fld>
             <a:endParaRPr lang="en-AU"/>
           </a:p>
@@ -2699,7 +2704,7 @@
           <a:p>
             <a:fld id="{DB2F076C-6C78-4EBD-9D85-629F8637E0F6}" type="datetimeFigureOut">
               <a:rPr lang="en-AU" smtClean="0"/>
-              <a:t>28/04/2019</a:t>
+              <a:t>2/05/2019</a:t>
             </a:fld>
             <a:endParaRPr lang="en-AU"/>
           </a:p>
@@ -2942,7 +2947,7 @@
           <a:p>
             <a:fld id="{DB2F076C-6C78-4EBD-9D85-629F8637E0F6}" type="datetimeFigureOut">
               <a:rPr lang="en-AU" smtClean="0"/>
-              <a:t>28/04/2019</a:t>
+              <a:t>2/05/2019</a:t>
             </a:fld>
             <a:endParaRPr lang="en-AU"/>
           </a:p>
@@ -4343,6 +4348,36 @@
           </a:p>
         </p:txBody>
       </p:sp>
+      <p:pic>
+        <p:nvPicPr>
+          <p:cNvPr id="3" name="Picture 2">
+            <a:extLst>
+              <a:ext uri="{FF2B5EF4-FFF2-40B4-BE49-F238E27FC236}">
+                <a16:creationId xmlns:a16="http://schemas.microsoft.com/office/drawing/2014/main" id="{A02F9B5D-D5A6-4792-889F-4C9037DEC263}"/>
+              </a:ext>
+            </a:extLst>
+          </p:cNvPr>
+          <p:cNvPicPr>
+            <a:picLocks noChangeAspect="1"/>
+          </p:cNvPicPr>
+          <p:nvPr/>
+        </p:nvPicPr>
+        <p:blipFill>
+          <a:blip r:embed="rId2"/>
+          <a:stretch>
+            <a:fillRect/>
+          </a:stretch>
+        </p:blipFill>
+        <p:spPr>
+          <a:xfrm>
+            <a:off x="-36361" y="0"/>
+            <a:ext cx="12264721" cy="6858000"/>
+          </a:xfrm>
+          <a:prstGeom prst="rect">
+            <a:avLst/>
+          </a:prstGeom>
+        </p:spPr>
+      </p:pic>
     </p:spTree>
     <p:extLst>
       <p:ext uri="{BB962C8B-B14F-4D97-AF65-F5344CB8AC3E}">
@@ -4852,8 +4887,8 @@
         </p:blipFill>
         <p:spPr bwMode="auto">
           <a:xfrm>
-            <a:off x="8201354" y="5107601"/>
-            <a:ext cx="390095" cy="390095"/>
+            <a:off x="8331385" y="5213264"/>
+            <a:ext cx="260063" cy="260063"/>
           </a:xfrm>
           <a:prstGeom prst="rect">
             <a:avLst/>
@@ -4892,8 +4927,8 @@
         </p:blipFill>
         <p:spPr>
           <a:xfrm>
-            <a:off x="8320201" y="5615504"/>
-            <a:ext cx="685859" cy="685859"/>
+            <a:off x="8591448" y="5693059"/>
+            <a:ext cx="457240" cy="457240"/>
           </a:xfrm>
           <a:prstGeom prst="rect">
             <a:avLst/>
@@ -5003,7 +5038,7 @@
           <a:p>
             <a:r>
               <a:rPr lang="en-AU" dirty="0"/>
-              <a:t>Database programmers CAN learn Machine Learning</a:t>
+              <a:t>Machine Learning is vast. Learn more to do more</a:t>
             </a:r>
           </a:p>
         </p:txBody>
